--- a/Configuration d'un serveur de temps dans un domaine active directory.pptx
+++ b/Configuration d'un serveur de temps dans un domaine active directory.pptx
@@ -105,6 +105,11 @@
       </a:defRPr>
     </a:lvl9pPr>
   </p:defaultTextStyle>
+  <p:extLst>
+    <p:ext uri="{EFAFB233-063F-42B5-8137-9DF3F51BA10A}">
+      <p15:sldGuideLst xmlns:p15="http://schemas.microsoft.com/office/powerpoint/2012/main"/>
+    </p:ext>
+  </p:extLst>
 </p:presentation>
 </file>
 
@@ -239,7 +244,7 @@
           <a:p>
             <a:fld id="{81582F16-F2FF-418E-AD11-52BEE8D736B3}" type="datetimeFigureOut">
               <a:rPr lang="en-US" smtClean="0"/>
-              <a:t>2/10/2023</a:t>
+              <a:t>2/20/2023</a:t>
             </a:fld>
             <a:endParaRPr lang="en-US"/>
           </a:p>
@@ -409,7 +414,7 @@
           <a:p>
             <a:fld id="{81582F16-F2FF-418E-AD11-52BEE8D736B3}" type="datetimeFigureOut">
               <a:rPr lang="en-US" smtClean="0"/>
-              <a:t>2/10/2023</a:t>
+              <a:t>2/20/2023</a:t>
             </a:fld>
             <a:endParaRPr lang="en-US"/>
           </a:p>
@@ -589,7 +594,7 @@
           <a:p>
             <a:fld id="{81582F16-F2FF-418E-AD11-52BEE8D736B3}" type="datetimeFigureOut">
               <a:rPr lang="en-US" smtClean="0"/>
-              <a:t>2/10/2023</a:t>
+              <a:t>2/20/2023</a:t>
             </a:fld>
             <a:endParaRPr lang="en-US"/>
           </a:p>
@@ -759,7 +764,7 @@
           <a:p>
             <a:fld id="{81582F16-F2FF-418E-AD11-52BEE8D736B3}" type="datetimeFigureOut">
               <a:rPr lang="en-US" smtClean="0"/>
-              <a:t>2/10/2023</a:t>
+              <a:t>2/20/2023</a:t>
             </a:fld>
             <a:endParaRPr lang="en-US"/>
           </a:p>
@@ -1005,7 +1010,7 @@
           <a:p>
             <a:fld id="{81582F16-F2FF-418E-AD11-52BEE8D736B3}" type="datetimeFigureOut">
               <a:rPr lang="en-US" smtClean="0"/>
-              <a:t>2/10/2023</a:t>
+              <a:t>2/20/2023</a:t>
             </a:fld>
             <a:endParaRPr lang="en-US"/>
           </a:p>
@@ -1237,7 +1242,7 @@
           <a:p>
             <a:fld id="{81582F16-F2FF-418E-AD11-52BEE8D736B3}" type="datetimeFigureOut">
               <a:rPr lang="en-US" smtClean="0"/>
-              <a:t>2/10/2023</a:t>
+              <a:t>2/20/2023</a:t>
             </a:fld>
             <a:endParaRPr lang="en-US"/>
           </a:p>
@@ -1604,7 +1609,7 @@
           <a:p>
             <a:fld id="{81582F16-F2FF-418E-AD11-52BEE8D736B3}" type="datetimeFigureOut">
               <a:rPr lang="en-US" smtClean="0"/>
-              <a:t>2/10/2023</a:t>
+              <a:t>2/20/2023</a:t>
             </a:fld>
             <a:endParaRPr lang="en-US"/>
           </a:p>
@@ -1722,7 +1727,7 @@
           <a:p>
             <a:fld id="{81582F16-F2FF-418E-AD11-52BEE8D736B3}" type="datetimeFigureOut">
               <a:rPr lang="en-US" smtClean="0"/>
-              <a:t>2/10/2023</a:t>
+              <a:t>2/20/2023</a:t>
             </a:fld>
             <a:endParaRPr lang="en-US"/>
           </a:p>
@@ -1817,7 +1822,7 @@
           <a:p>
             <a:fld id="{81582F16-F2FF-418E-AD11-52BEE8D736B3}" type="datetimeFigureOut">
               <a:rPr lang="en-US" smtClean="0"/>
-              <a:t>2/10/2023</a:t>
+              <a:t>2/20/2023</a:t>
             </a:fld>
             <a:endParaRPr lang="en-US"/>
           </a:p>
@@ -2094,7 +2099,7 @@
           <a:p>
             <a:fld id="{81582F16-F2FF-418E-AD11-52BEE8D736B3}" type="datetimeFigureOut">
               <a:rPr lang="en-US" smtClean="0"/>
-              <a:t>2/10/2023</a:t>
+              <a:t>2/20/2023</a:t>
             </a:fld>
             <a:endParaRPr lang="en-US"/>
           </a:p>
@@ -2347,7 +2352,7 @@
           <a:p>
             <a:fld id="{81582F16-F2FF-418E-AD11-52BEE8D736B3}" type="datetimeFigureOut">
               <a:rPr lang="en-US" smtClean="0"/>
-              <a:t>2/10/2023</a:t>
+              <a:t>2/20/2023</a:t>
             </a:fld>
             <a:endParaRPr lang="en-US"/>
           </a:p>
@@ -2560,7 +2565,7 @@
           <a:p>
             <a:fld id="{81582F16-F2FF-418E-AD11-52BEE8D736B3}" type="datetimeFigureOut">
               <a:rPr lang="en-US" smtClean="0"/>
-              <a:t>2/10/2023</a:t>
+              <a:t>2/20/2023</a:t>
             </a:fld>
             <a:endParaRPr lang="en-US"/>
           </a:p>
@@ -2987,6 +2992,15 @@
           <a:prstGeom prst="rect">
             <a:avLst/>
           </a:prstGeom>
+          <a:solidFill>
+            <a:schemeClr val="accent1">
+              <a:lumMod val="20000"/>
+              <a:lumOff val="80000"/>
+            </a:schemeClr>
+          </a:solidFill>
+          <a:ln>
+            <a:noFill/>
+          </a:ln>
         </p:spPr>
         <p:style>
           <a:lnRef idx="2">
